--- a/Slides.pptx
+++ b/Slides.pptx
@@ -23106,13 +23106,13 @@
   <p:clrMapOvr>
     <a:masterClrMapping/>
   </p:clrMapOvr>
-  <mc:AlternateContent xmlns:mc="http://schemas.openxmlformats.org/markup-compatibility/2006">
-    <mc:Choice xmlns:p159="http://schemas.microsoft.com/office/powerpoint/2015/09/main" Requires="p159">
+  <mc:AlternateContent xmlns:mc="http://schemas.openxmlformats.org/markup-compatibility/2006" xmlns:p159="http://schemas.microsoft.com/office/powerpoint/2015/09/main">
+    <mc:Choice Requires="p159">
       <p:transition spd="slow">
         <p159:morph option="byObject"/>
       </p:transition>
     </mc:Choice>
-    <mc:Fallback>
+    <mc:Fallback xmlns="">
       <p:transition spd="slow">
         <p:fade/>
       </p:transition>
@@ -30537,7 +30537,7 @@
                                     </p:set>
                                     <p:animEffect transition="in" filter="fade">
                                       <p:cBhvr>
-                                        <p:cTn id="7" dur="500"/>
+                                        <p:cTn id="7" dur="100"/>
                                         <p:tgtEl>
                                           <p:spTgt spid="21"/>
                                         </p:tgtEl>
@@ -30549,30 +30549,21 @@
                             </p:childTnLst>
                           </p:cTn>
                         </p:par>
-                      </p:childTnLst>
-                    </p:cTn>
-                  </p:par>
-                  <p:par>
-                    <p:cTn id="8" fill="hold">
-                      <p:stCondLst>
-                        <p:cond delay="indefinite"/>
-                      </p:stCondLst>
-                      <p:childTnLst>
                         <p:par>
-                          <p:cTn id="9" fill="hold">
+                          <p:cTn id="8" fill="hold">
                             <p:stCondLst>
-                              <p:cond delay="0"/>
+                              <p:cond delay="100"/>
                             </p:stCondLst>
                             <p:childTnLst>
                               <p:par>
-                                <p:cTn id="10" presetID="10" presetClass="entr" presetSubtype="0" fill="hold" grpId="0" nodeType="clickEffect">
+                                <p:cTn id="9" presetID="10" presetClass="entr" presetSubtype="0" fill="hold" grpId="0" nodeType="afterEffect">
                                   <p:stCondLst>
                                     <p:cond delay="0"/>
                                   </p:stCondLst>
                                   <p:childTnLst>
                                     <p:set>
                                       <p:cBhvr>
-                                        <p:cTn id="11" dur="1" fill="hold">
+                                        <p:cTn id="10" dur="1" fill="hold">
                                           <p:stCondLst>
                                             <p:cond delay="0"/>
                                           </p:stCondLst>
@@ -30590,7 +30581,7 @@
                                     </p:set>
                                     <p:animEffect transition="in" filter="fade">
                                       <p:cBhvr>
-                                        <p:cTn id="12" dur="500"/>
+                                        <p:cTn id="11" dur="100"/>
                                         <p:tgtEl>
                                           <p:spTgt spid="47"/>
                                         </p:tgtEl>
@@ -30600,14 +30591,14 @@
                                 </p:cTn>
                               </p:par>
                               <p:par>
-                                <p:cTn id="13" presetID="10" presetClass="entr" presetSubtype="0" fill="hold" grpId="0" nodeType="withEffect">
+                                <p:cTn id="12" presetID="10" presetClass="entr" presetSubtype="0" fill="hold" grpId="0" nodeType="withEffect">
                                   <p:stCondLst>
                                     <p:cond delay="0"/>
                                   </p:stCondLst>
                                   <p:childTnLst>
                                     <p:set>
                                       <p:cBhvr>
-                                        <p:cTn id="14" dur="1" fill="hold">
+                                        <p:cTn id="13" dur="1" fill="hold">
                                           <p:stCondLst>
                                             <p:cond delay="0"/>
                                           </p:stCondLst>
@@ -30625,7 +30616,7 @@
                                     </p:set>
                                     <p:animEffect transition="in" filter="fade">
                                       <p:cBhvr>
-                                        <p:cTn id="15" dur="500"/>
+                                        <p:cTn id="14" dur="100"/>
                                         <p:tgtEl>
                                           <p:spTgt spid="13"/>
                                         </p:tgtEl>
@@ -30638,20 +30629,20 @@
                           </p:cTn>
                         </p:par>
                         <p:par>
-                          <p:cTn id="16" fill="hold">
+                          <p:cTn id="15" fill="hold">
                             <p:stCondLst>
-                              <p:cond delay="500"/>
+                              <p:cond delay="200"/>
                             </p:stCondLst>
                             <p:childTnLst>
                               <p:par>
-                                <p:cTn id="17" presetID="10" presetClass="entr" presetSubtype="0" fill="hold" grpId="0" nodeType="afterEffect">
+                                <p:cTn id="16" presetID="10" presetClass="entr" presetSubtype="0" fill="hold" grpId="0" nodeType="afterEffect">
                                   <p:stCondLst>
                                     <p:cond delay="0"/>
                                   </p:stCondLst>
                                   <p:childTnLst>
                                     <p:set>
                                       <p:cBhvr>
-                                        <p:cTn id="18" dur="1" fill="hold">
+                                        <p:cTn id="17" dur="1" fill="hold">
                                           <p:stCondLst>
                                             <p:cond delay="0"/>
                                           </p:stCondLst>
@@ -30669,7 +30660,7 @@
                                     </p:set>
                                     <p:animEffect transition="in" filter="fade">
                                       <p:cBhvr>
-                                        <p:cTn id="19" dur="500"/>
+                                        <p:cTn id="18" dur="100"/>
                                         <p:tgtEl>
                                           <p:spTgt spid="32"/>
                                         </p:tgtEl>
@@ -30679,14 +30670,14 @@
                                 </p:cTn>
                               </p:par>
                               <p:par>
-                                <p:cTn id="20" presetID="10" presetClass="entr" presetSubtype="0" fill="hold" nodeType="withEffect">
+                                <p:cTn id="19" presetID="10" presetClass="entr" presetSubtype="0" fill="hold" nodeType="withEffect">
                                   <p:stCondLst>
                                     <p:cond delay="0"/>
                                   </p:stCondLst>
                                   <p:childTnLst>
                                     <p:set>
                                       <p:cBhvr>
-                                        <p:cTn id="21" dur="1" fill="hold">
+                                        <p:cTn id="20" dur="1" fill="hold">
                                           <p:stCondLst>
                                             <p:cond delay="0"/>
                                           </p:stCondLst>
@@ -30704,7 +30695,7 @@
                                     </p:set>
                                     <p:animEffect transition="in" filter="fade">
                                       <p:cBhvr>
-                                        <p:cTn id="22" dur="500"/>
+                                        <p:cTn id="21" dur="100"/>
                                         <p:tgtEl>
                                           <p:spTgt spid="53"/>
                                         </p:tgtEl>
@@ -30717,20 +30708,20 @@
                           </p:cTn>
                         </p:par>
                         <p:par>
-                          <p:cTn id="23" fill="hold">
+                          <p:cTn id="22" fill="hold">
                             <p:stCondLst>
-                              <p:cond delay="1000"/>
+                              <p:cond delay="300"/>
                             </p:stCondLst>
                             <p:childTnLst>
                               <p:par>
-                                <p:cTn id="24" presetID="10" presetClass="entr" presetSubtype="0" fill="hold" grpId="0" nodeType="afterEffect">
+                                <p:cTn id="23" presetID="10" presetClass="entr" presetSubtype="0" fill="hold" grpId="0" nodeType="afterEffect">
                                   <p:stCondLst>
                                     <p:cond delay="0"/>
                                   </p:stCondLst>
                                   <p:childTnLst>
                                     <p:set>
                                       <p:cBhvr>
-                                        <p:cTn id="25" dur="1" fill="hold">
+                                        <p:cTn id="24" dur="1" fill="hold">
                                           <p:stCondLst>
                                             <p:cond delay="0"/>
                                           </p:stCondLst>
@@ -30748,7 +30739,7 @@
                                     </p:set>
                                     <p:animEffect transition="in" filter="fade">
                                       <p:cBhvr>
-                                        <p:cTn id="26" dur="500"/>
+                                        <p:cTn id="25" dur="100"/>
                                         <p:tgtEl>
                                           <p:spTgt spid="35"/>
                                         </p:tgtEl>
@@ -30758,14 +30749,14 @@
                                 </p:cTn>
                               </p:par>
                               <p:par>
-                                <p:cTn id="27" presetID="10" presetClass="entr" presetSubtype="0" fill="hold" nodeType="withEffect">
+                                <p:cTn id="26" presetID="10" presetClass="entr" presetSubtype="0" fill="hold" nodeType="withEffect">
                                   <p:stCondLst>
                                     <p:cond delay="0"/>
                                   </p:stCondLst>
                                   <p:childTnLst>
                                     <p:set>
                                       <p:cBhvr>
-                                        <p:cTn id="28" dur="1" fill="hold">
+                                        <p:cTn id="27" dur="1" fill="hold">
                                           <p:stCondLst>
                                             <p:cond delay="0"/>
                                           </p:stCondLst>
@@ -30783,7 +30774,7 @@
                                     </p:set>
                                     <p:animEffect transition="in" filter="fade">
                                       <p:cBhvr>
-                                        <p:cTn id="29" dur="500"/>
+                                        <p:cTn id="28" dur="100"/>
                                         <p:tgtEl>
                                           <p:spTgt spid="44"/>
                                         </p:tgtEl>
@@ -30796,20 +30787,20 @@
                           </p:cTn>
                         </p:par>
                         <p:par>
-                          <p:cTn id="30" fill="hold">
+                          <p:cTn id="29" fill="hold">
                             <p:stCondLst>
-                              <p:cond delay="1500"/>
+                              <p:cond delay="400"/>
                             </p:stCondLst>
                             <p:childTnLst>
                               <p:par>
-                                <p:cTn id="31" presetID="10" presetClass="entr" presetSubtype="0" fill="hold" grpId="0" nodeType="afterEffect">
+                                <p:cTn id="30" presetID="10" presetClass="entr" presetSubtype="0" fill="hold" grpId="0" nodeType="afterEffect">
                                   <p:stCondLst>
                                     <p:cond delay="0"/>
                                   </p:stCondLst>
                                   <p:childTnLst>
                                     <p:set>
                                       <p:cBhvr>
-                                        <p:cTn id="32" dur="1" fill="hold">
+                                        <p:cTn id="31" dur="1" fill="hold">
                                           <p:stCondLst>
                                             <p:cond delay="0"/>
                                           </p:stCondLst>
@@ -30827,7 +30818,7 @@
                                     </p:set>
                                     <p:animEffect transition="in" filter="fade">
                                       <p:cBhvr>
-                                        <p:cTn id="33" dur="500"/>
+                                        <p:cTn id="32" dur="100"/>
                                         <p:tgtEl>
                                           <p:spTgt spid="58"/>
                                         </p:tgtEl>
@@ -30837,14 +30828,14 @@
                                 </p:cTn>
                               </p:par>
                               <p:par>
-                                <p:cTn id="34" presetID="10" presetClass="entr" presetSubtype="0" fill="hold" grpId="0" nodeType="withEffect">
+                                <p:cTn id="33" presetID="10" presetClass="entr" presetSubtype="0" fill="hold" grpId="0" nodeType="withEffect">
                                   <p:stCondLst>
                                     <p:cond delay="0"/>
                                   </p:stCondLst>
                                   <p:childTnLst>
                                     <p:set>
                                       <p:cBhvr>
-                                        <p:cTn id="35" dur="1" fill="hold">
+                                        <p:cTn id="34" dur="1" fill="hold">
                                           <p:stCondLst>
                                             <p:cond delay="0"/>
                                           </p:stCondLst>
@@ -30862,7 +30853,7 @@
                                     </p:set>
                                     <p:animEffect transition="in" filter="fade">
                                       <p:cBhvr>
-                                        <p:cTn id="36" dur="500"/>
+                                        <p:cTn id="35" dur="100"/>
                                         <p:tgtEl>
                                           <p:spTgt spid="31"/>
                                         </p:tgtEl>
@@ -30875,20 +30866,20 @@
                           </p:cTn>
                         </p:par>
                         <p:par>
-                          <p:cTn id="37" fill="hold">
+                          <p:cTn id="36" fill="hold">
                             <p:stCondLst>
-                              <p:cond delay="2000"/>
+                              <p:cond delay="500"/>
                             </p:stCondLst>
                             <p:childTnLst>
                               <p:par>
-                                <p:cTn id="38" presetID="10" presetClass="entr" presetSubtype="0" fill="hold" grpId="0" nodeType="afterEffect">
+                                <p:cTn id="37" presetID="10" presetClass="entr" presetSubtype="0" fill="hold" grpId="0" nodeType="afterEffect">
                                   <p:stCondLst>
                                     <p:cond delay="0"/>
                                   </p:stCondLst>
                                   <p:childTnLst>
                                     <p:set>
                                       <p:cBhvr>
-                                        <p:cTn id="39" dur="1" fill="hold">
+                                        <p:cTn id="38" dur="1" fill="hold">
                                           <p:stCondLst>
                                             <p:cond delay="0"/>
                                           </p:stCondLst>
@@ -30906,7 +30897,7 @@
                                     </p:set>
                                     <p:animEffect transition="in" filter="fade">
                                       <p:cBhvr>
-                                        <p:cTn id="40" dur="500"/>
+                                        <p:cTn id="39" dur="100"/>
                                         <p:tgtEl>
                                           <p:spTgt spid="46"/>
                                         </p:tgtEl>
@@ -30916,14 +30907,14 @@
                                 </p:cTn>
                               </p:par>
                               <p:par>
-                                <p:cTn id="41" presetID="10" presetClass="entr" presetSubtype="0" fill="hold" grpId="0" nodeType="withEffect">
+                                <p:cTn id="40" presetID="10" presetClass="entr" presetSubtype="0" fill="hold" grpId="0" nodeType="withEffect">
                                   <p:stCondLst>
                                     <p:cond delay="0"/>
                                   </p:stCondLst>
                                   <p:childTnLst>
                                     <p:set>
                                       <p:cBhvr>
-                                        <p:cTn id="42" dur="1" fill="hold">
+                                        <p:cTn id="41" dur="1" fill="hold">
                                           <p:stCondLst>
                                             <p:cond delay="0"/>
                                           </p:stCondLst>
@@ -30941,7 +30932,7 @@
                                     </p:set>
                                     <p:animEffect transition="in" filter="fade">
                                       <p:cBhvr>
-                                        <p:cTn id="43" dur="500"/>
+                                        <p:cTn id="42" dur="100"/>
                                         <p:tgtEl>
                                           <p:spTgt spid="16"/>
                                         </p:tgtEl>
@@ -30954,20 +30945,20 @@
                           </p:cTn>
                         </p:par>
                         <p:par>
-                          <p:cTn id="44" fill="hold">
+                          <p:cTn id="43" fill="hold">
                             <p:stCondLst>
-                              <p:cond delay="2500"/>
+                              <p:cond delay="600"/>
                             </p:stCondLst>
                             <p:childTnLst>
                               <p:par>
-                                <p:cTn id="45" presetID="10" presetClass="entr" presetSubtype="0" fill="hold" grpId="0" nodeType="afterEffect">
+                                <p:cTn id="44" presetID="10" presetClass="entr" presetSubtype="0" fill="hold" grpId="0" nodeType="afterEffect">
                                   <p:stCondLst>
                                     <p:cond delay="0"/>
                                   </p:stCondLst>
                                   <p:childTnLst>
                                     <p:set>
                                       <p:cBhvr>
-                                        <p:cTn id="46" dur="1" fill="hold">
+                                        <p:cTn id="45" dur="1" fill="hold">
                                           <p:stCondLst>
                                             <p:cond delay="0"/>
                                           </p:stCondLst>
@@ -30985,7 +30976,7 @@
                                     </p:set>
                                     <p:animEffect transition="in" filter="fade">
                                       <p:cBhvr>
-                                        <p:cTn id="47" dur="500"/>
+                                        <p:cTn id="46" dur="100"/>
                                         <p:tgtEl>
                                           <p:spTgt spid="55"/>
                                         </p:tgtEl>
@@ -30995,14 +30986,14 @@
                                 </p:cTn>
                               </p:par>
                               <p:par>
-                                <p:cTn id="48" presetID="10" presetClass="entr" presetSubtype="0" fill="hold" grpId="0" nodeType="withEffect">
+                                <p:cTn id="47" presetID="10" presetClass="entr" presetSubtype="0" fill="hold" grpId="0" nodeType="withEffect">
                                   <p:stCondLst>
                                     <p:cond delay="0"/>
                                   </p:stCondLst>
                                   <p:childTnLst>
                                     <p:set>
                                       <p:cBhvr>
-                                        <p:cTn id="49" dur="1" fill="hold">
+                                        <p:cTn id="48" dur="1" fill="hold">
                                           <p:stCondLst>
                                             <p:cond delay="0"/>
                                           </p:stCondLst>
@@ -31020,7 +31011,7 @@
                                     </p:set>
                                     <p:animEffect transition="in" filter="fade">
                                       <p:cBhvr>
-                                        <p:cTn id="50" dur="500"/>
+                                        <p:cTn id="49" dur="100"/>
                                         <p:tgtEl>
                                           <p:spTgt spid="15"/>
                                         </p:tgtEl>
@@ -31033,20 +31024,20 @@
                           </p:cTn>
                         </p:par>
                         <p:par>
-                          <p:cTn id="51" fill="hold">
+                          <p:cTn id="50" fill="hold">
                             <p:stCondLst>
-                              <p:cond delay="3000"/>
+                              <p:cond delay="700"/>
                             </p:stCondLst>
                             <p:childTnLst>
                               <p:par>
-                                <p:cTn id="52" presetID="10" presetClass="entr" presetSubtype="0" fill="hold" grpId="0" nodeType="afterEffect">
+                                <p:cTn id="51" presetID="10" presetClass="entr" presetSubtype="0" fill="hold" grpId="0" nodeType="afterEffect">
                                   <p:stCondLst>
                                     <p:cond delay="0"/>
                                   </p:stCondLst>
                                   <p:childTnLst>
                                     <p:set>
                                       <p:cBhvr>
-                                        <p:cTn id="53" dur="1" fill="hold">
+                                        <p:cTn id="52" dur="1" fill="hold">
                                           <p:stCondLst>
                                             <p:cond delay="0"/>
                                           </p:stCondLst>
@@ -31064,7 +31055,7 @@
                                     </p:set>
                                     <p:animEffect transition="in" filter="fade">
                                       <p:cBhvr>
-                                        <p:cTn id="54" dur="500"/>
+                                        <p:cTn id="53" dur="100"/>
                                         <p:tgtEl>
                                           <p:spTgt spid="30"/>
                                         </p:tgtEl>
@@ -31074,14 +31065,14 @@
                                 </p:cTn>
                               </p:par>
                               <p:par>
-                                <p:cTn id="55" presetID="10" presetClass="entr" presetSubtype="0" fill="hold" grpId="0" nodeType="withEffect">
+                                <p:cTn id="54" presetID="10" presetClass="entr" presetSubtype="0" fill="hold" grpId="0" nodeType="withEffect">
                                   <p:stCondLst>
                                     <p:cond delay="0"/>
                                   </p:stCondLst>
                                   <p:childTnLst>
                                     <p:set>
                                       <p:cBhvr>
-                                        <p:cTn id="56" dur="1" fill="hold">
+                                        <p:cTn id="55" dur="1" fill="hold">
                                           <p:stCondLst>
                                             <p:cond delay="0"/>
                                           </p:stCondLst>
@@ -31099,7 +31090,7 @@
                                     </p:set>
                                     <p:animEffect transition="in" filter="fade">
                                       <p:cBhvr>
-                                        <p:cTn id="57" dur="500"/>
+                                        <p:cTn id="56" dur="100"/>
                                         <p:tgtEl>
                                           <p:spTgt spid="48"/>
                                         </p:tgtEl>
@@ -31112,20 +31103,20 @@
                           </p:cTn>
                         </p:par>
                         <p:par>
-                          <p:cTn id="58" fill="hold">
+                          <p:cTn id="57" fill="hold">
                             <p:stCondLst>
-                              <p:cond delay="3500"/>
+                              <p:cond delay="800"/>
                             </p:stCondLst>
                             <p:childTnLst>
                               <p:par>
-                                <p:cTn id="59" presetID="10" presetClass="entr" presetSubtype="0" fill="hold" grpId="0" nodeType="afterEffect">
+                                <p:cTn id="58" presetID="10" presetClass="entr" presetSubtype="0" fill="hold" grpId="0" nodeType="afterEffect">
                                   <p:stCondLst>
                                     <p:cond delay="0"/>
                                   </p:stCondLst>
                                   <p:childTnLst>
                                     <p:set>
                                       <p:cBhvr>
-                                        <p:cTn id="60" dur="1" fill="hold">
+                                        <p:cTn id="59" dur="1" fill="hold">
                                           <p:stCondLst>
                                             <p:cond delay="0"/>
                                           </p:stCondLst>
@@ -31143,7 +31134,7 @@
                                     </p:set>
                                     <p:animEffect transition="in" filter="fade">
                                       <p:cBhvr>
-                                        <p:cTn id="61" dur="500"/>
+                                        <p:cTn id="60" dur="100"/>
                                         <p:tgtEl>
                                           <p:spTgt spid="63"/>
                                         </p:tgtEl>
@@ -31153,14 +31144,14 @@
                                 </p:cTn>
                               </p:par>
                               <p:par>
-                                <p:cTn id="62" presetID="10" presetClass="entr" presetSubtype="0" fill="hold" grpId="0" nodeType="withEffect">
+                                <p:cTn id="61" presetID="10" presetClass="entr" presetSubtype="0" fill="hold" grpId="0" nodeType="withEffect">
                                   <p:stCondLst>
                                     <p:cond delay="0"/>
                                   </p:stCondLst>
                                   <p:childTnLst>
                                     <p:set>
                                       <p:cBhvr>
-                                        <p:cTn id="63" dur="1" fill="hold">
+                                        <p:cTn id="62" dur="1" fill="hold">
                                           <p:stCondLst>
                                             <p:cond delay="0"/>
                                           </p:stCondLst>
@@ -31178,7 +31169,7 @@
                                     </p:set>
                                     <p:animEffect transition="in" filter="fade">
                                       <p:cBhvr>
-                                        <p:cTn id="64" dur="500"/>
+                                        <p:cTn id="63" dur="100"/>
                                         <p:tgtEl>
                                           <p:spTgt spid="17"/>
                                         </p:tgtEl>
@@ -31191,20 +31182,20 @@
                           </p:cTn>
                         </p:par>
                         <p:par>
-                          <p:cTn id="65" fill="hold">
+                          <p:cTn id="64" fill="hold">
                             <p:stCondLst>
-                              <p:cond delay="4000"/>
+                              <p:cond delay="900"/>
                             </p:stCondLst>
                             <p:childTnLst>
                               <p:par>
-                                <p:cTn id="66" presetID="10" presetClass="entr" presetSubtype="0" fill="hold" grpId="0" nodeType="afterEffect">
+                                <p:cTn id="65" presetID="10" presetClass="entr" presetSubtype="0" fill="hold" grpId="0" nodeType="afterEffect">
                                   <p:stCondLst>
                                     <p:cond delay="0"/>
                                   </p:stCondLst>
                                   <p:childTnLst>
                                     <p:set>
                                       <p:cBhvr>
-                                        <p:cTn id="67" dur="1" fill="hold">
+                                        <p:cTn id="66" dur="1" fill="hold">
                                           <p:stCondLst>
                                             <p:cond delay="0"/>
                                           </p:stCondLst>
@@ -31222,7 +31213,7 @@
                                     </p:set>
                                     <p:animEffect transition="in" filter="fade">
                                       <p:cBhvr>
-                                        <p:cTn id="68" dur="500"/>
+                                        <p:cTn id="67" dur="100"/>
                                         <p:tgtEl>
                                           <p:spTgt spid="62"/>
                                         </p:tgtEl>
@@ -31232,14 +31223,14 @@
                                 </p:cTn>
                               </p:par>
                               <p:par>
-                                <p:cTn id="69" presetID="10" presetClass="entr" presetSubtype="0" fill="hold" grpId="0" nodeType="withEffect">
+                                <p:cTn id="68" presetID="10" presetClass="entr" presetSubtype="0" fill="hold" grpId="0" nodeType="withEffect">
                                   <p:stCondLst>
                                     <p:cond delay="0"/>
                                   </p:stCondLst>
                                   <p:childTnLst>
                                     <p:set>
                                       <p:cBhvr>
-                                        <p:cTn id="70" dur="1" fill="hold">
+                                        <p:cTn id="69" dur="1" fill="hold">
                                           <p:stCondLst>
                                             <p:cond delay="0"/>
                                           </p:stCondLst>
@@ -31257,7 +31248,7 @@
                                     </p:set>
                                     <p:animEffect transition="in" filter="fade">
                                       <p:cBhvr>
-                                        <p:cTn id="71" dur="500"/>
+                                        <p:cTn id="70" dur="100"/>
                                         <p:tgtEl>
                                           <p:spTgt spid="28"/>
                                         </p:tgtEl>
@@ -31270,20 +31261,20 @@
                           </p:cTn>
                         </p:par>
                         <p:par>
-                          <p:cTn id="72" fill="hold">
+                          <p:cTn id="71" fill="hold">
                             <p:stCondLst>
-                              <p:cond delay="4500"/>
+                              <p:cond delay="1000"/>
                             </p:stCondLst>
                             <p:childTnLst>
                               <p:par>
-                                <p:cTn id="73" presetID="10" presetClass="entr" presetSubtype="0" fill="hold" grpId="0" nodeType="afterEffect">
+                                <p:cTn id="72" presetID="10" presetClass="entr" presetSubtype="0" fill="hold" grpId="0" nodeType="afterEffect">
                                   <p:stCondLst>
                                     <p:cond delay="0"/>
                                   </p:stCondLst>
                                   <p:childTnLst>
                                     <p:set>
                                       <p:cBhvr>
-                                        <p:cTn id="74" dur="1" fill="hold">
+                                        <p:cTn id="73" dur="1" fill="hold">
                                           <p:stCondLst>
                                             <p:cond delay="0"/>
                                           </p:stCondLst>
@@ -31301,7 +31292,7 @@
                                     </p:set>
                                     <p:animEffect transition="in" filter="fade">
                                       <p:cBhvr>
-                                        <p:cTn id="75" dur="500"/>
+                                        <p:cTn id="74" dur="100"/>
                                         <p:tgtEl>
                                           <p:spTgt spid="54"/>
                                         </p:tgtEl>
@@ -31311,14 +31302,14 @@
                                 </p:cTn>
                               </p:par>
                               <p:par>
-                                <p:cTn id="76" presetID="10" presetClass="entr" presetSubtype="0" fill="hold" grpId="0" nodeType="withEffect">
+                                <p:cTn id="75" presetID="10" presetClass="entr" presetSubtype="0" fill="hold" grpId="0" nodeType="withEffect">
                                   <p:stCondLst>
                                     <p:cond delay="0"/>
                                   </p:stCondLst>
                                   <p:childTnLst>
                                     <p:set>
                                       <p:cBhvr>
-                                        <p:cTn id="77" dur="1" fill="hold">
+                                        <p:cTn id="76" dur="1" fill="hold">
                                           <p:stCondLst>
                                             <p:cond delay="0"/>
                                           </p:stCondLst>
@@ -31336,7 +31327,7 @@
                                     </p:set>
                                     <p:animEffect transition="in" filter="fade">
                                       <p:cBhvr>
-                                        <p:cTn id="78" dur="500"/>
+                                        <p:cTn id="77" dur="100"/>
                                         <p:tgtEl>
                                           <p:spTgt spid="29"/>
                                         </p:tgtEl>
@@ -31349,20 +31340,20 @@
                           </p:cTn>
                         </p:par>
                         <p:par>
-                          <p:cTn id="79" fill="hold">
+                          <p:cTn id="78" fill="hold">
                             <p:stCondLst>
-                              <p:cond delay="5000"/>
+                              <p:cond delay="1100"/>
                             </p:stCondLst>
                             <p:childTnLst>
                               <p:par>
-                                <p:cTn id="80" presetID="10" presetClass="entr" presetSubtype="0" fill="hold" grpId="0" nodeType="afterEffect">
+                                <p:cTn id="79" presetID="10" presetClass="entr" presetSubtype="0" fill="hold" grpId="0" nodeType="afterEffect">
                                   <p:stCondLst>
                                     <p:cond delay="0"/>
                                   </p:stCondLst>
                                   <p:childTnLst>
                                     <p:set>
                                       <p:cBhvr>
-                                        <p:cTn id="81" dur="1" fill="hold">
+                                        <p:cTn id="80" dur="1" fill="hold">
                                           <p:stCondLst>
                                             <p:cond delay="0"/>
                                           </p:stCondLst>
@@ -31380,7 +31371,7 @@
                                     </p:set>
                                     <p:animEffect transition="in" filter="fade">
                                       <p:cBhvr>
-                                        <p:cTn id="82" dur="500"/>
+                                        <p:cTn id="81" dur="100"/>
                                         <p:tgtEl>
                                           <p:spTgt spid="61"/>
                                         </p:tgtEl>
@@ -31390,14 +31381,14 @@
                                 </p:cTn>
                               </p:par>
                               <p:par>
-                                <p:cTn id="83" presetID="10" presetClass="entr" presetSubtype="0" fill="hold" grpId="0" nodeType="withEffect">
+                                <p:cTn id="82" presetID="10" presetClass="entr" presetSubtype="0" fill="hold" grpId="0" nodeType="withEffect">
                                   <p:stCondLst>
                                     <p:cond delay="0"/>
                                   </p:stCondLst>
                                   <p:childTnLst>
                                     <p:set>
                                       <p:cBhvr>
-                                        <p:cTn id="84" dur="1" fill="hold">
+                                        <p:cTn id="83" dur="1" fill="hold">
                                           <p:stCondLst>
                                             <p:cond delay="0"/>
                                           </p:stCondLst>
@@ -31415,7 +31406,7 @@
                                     </p:set>
                                     <p:animEffect transition="in" filter="fade">
                                       <p:cBhvr>
-                                        <p:cTn id="85" dur="500"/>
+                                        <p:cTn id="84" dur="100"/>
                                         <p:tgtEl>
                                           <p:spTgt spid="34"/>
                                         </p:tgtEl>
@@ -31428,20 +31419,20 @@
                           </p:cTn>
                         </p:par>
                         <p:par>
-                          <p:cTn id="86" fill="hold">
+                          <p:cTn id="85" fill="hold">
                             <p:stCondLst>
-                              <p:cond delay="5500"/>
+                              <p:cond delay="1200"/>
                             </p:stCondLst>
                             <p:childTnLst>
                               <p:par>
-                                <p:cTn id="87" presetID="10" presetClass="entr" presetSubtype="0" fill="hold" grpId="0" nodeType="afterEffect">
+                                <p:cTn id="86" presetID="10" presetClass="entr" presetSubtype="0" fill="hold" grpId="0" nodeType="afterEffect">
                                   <p:stCondLst>
                                     <p:cond delay="0"/>
                                   </p:stCondLst>
                                   <p:childTnLst>
                                     <p:set>
                                       <p:cBhvr>
-                                        <p:cTn id="88" dur="1" fill="hold">
+                                        <p:cTn id="87" dur="1" fill="hold">
                                           <p:stCondLst>
                                             <p:cond delay="0"/>
                                           </p:stCondLst>
@@ -31459,7 +31450,7 @@
                                     </p:set>
                                     <p:animEffect transition="in" filter="fade">
                                       <p:cBhvr>
-                                        <p:cTn id="89" dur="500"/>
+                                        <p:cTn id="88" dur="100"/>
                                         <p:tgtEl>
                                           <p:spTgt spid="56"/>
                                         </p:tgtEl>
@@ -31469,14 +31460,14 @@
                                 </p:cTn>
                               </p:par>
                               <p:par>
-                                <p:cTn id="90" presetID="10" presetClass="entr" presetSubtype="0" fill="hold" grpId="0" nodeType="withEffect">
+                                <p:cTn id="89" presetID="10" presetClass="entr" presetSubtype="0" fill="hold" grpId="0" nodeType="withEffect">
                                   <p:stCondLst>
                                     <p:cond delay="0"/>
                                   </p:stCondLst>
                                   <p:childTnLst>
                                     <p:set>
                                       <p:cBhvr>
-                                        <p:cTn id="91" dur="1" fill="hold">
+                                        <p:cTn id="90" dur="1" fill="hold">
                                           <p:stCondLst>
                                             <p:cond delay="0"/>
                                           </p:stCondLst>
@@ -31494,7 +31485,7 @@
                                     </p:set>
                                     <p:animEffect transition="in" filter="fade">
                                       <p:cBhvr>
-                                        <p:cTn id="92" dur="500"/>
+                                        <p:cTn id="91" dur="100"/>
                                         <p:tgtEl>
                                           <p:spTgt spid="8"/>
                                         </p:tgtEl>
@@ -31507,20 +31498,20 @@
                           </p:cTn>
                         </p:par>
                         <p:par>
-                          <p:cTn id="93" fill="hold">
+                          <p:cTn id="92" fill="hold">
                             <p:stCondLst>
-                              <p:cond delay="6000"/>
+                              <p:cond delay="1300"/>
                             </p:stCondLst>
                             <p:childTnLst>
                               <p:par>
-                                <p:cTn id="94" presetID="10" presetClass="entr" presetSubtype="0" fill="hold" grpId="0" nodeType="afterEffect">
+                                <p:cTn id="93" presetID="10" presetClass="entr" presetSubtype="0" fill="hold" grpId="0" nodeType="afterEffect">
                                   <p:stCondLst>
                                     <p:cond delay="0"/>
                                   </p:stCondLst>
                                   <p:childTnLst>
                                     <p:set>
                                       <p:cBhvr>
-                                        <p:cTn id="95" dur="1" fill="hold">
+                                        <p:cTn id="94" dur="1" fill="hold">
                                           <p:stCondLst>
                                             <p:cond delay="0"/>
                                           </p:stCondLst>
@@ -31538,7 +31529,7 @@
                                     </p:set>
                                     <p:animEffect transition="in" filter="fade">
                                       <p:cBhvr>
-                                        <p:cTn id="96" dur="500"/>
+                                        <p:cTn id="95" dur="100"/>
                                         <p:tgtEl>
                                           <p:spTgt spid="59"/>
                                         </p:tgtEl>
@@ -31548,14 +31539,14 @@
                                 </p:cTn>
                               </p:par>
                               <p:par>
-                                <p:cTn id="97" presetID="10" presetClass="entr" presetSubtype="0" fill="hold" grpId="0" nodeType="withEffect">
+                                <p:cTn id="96" presetID="10" presetClass="entr" presetSubtype="0" fill="hold" grpId="0" nodeType="withEffect">
                                   <p:stCondLst>
                                     <p:cond delay="0"/>
                                   </p:stCondLst>
                                   <p:childTnLst>
                                     <p:set>
                                       <p:cBhvr>
-                                        <p:cTn id="98" dur="1" fill="hold">
+                                        <p:cTn id="97" dur="1" fill="hold">
                                           <p:stCondLst>
                                             <p:cond delay="0"/>
                                           </p:stCondLst>
@@ -31573,7 +31564,7 @@
                                     </p:set>
                                     <p:animEffect transition="in" filter="fade">
                                       <p:cBhvr>
-                                        <p:cTn id="99" dur="500"/>
+                                        <p:cTn id="98" dur="100"/>
                                         <p:tgtEl>
                                           <p:spTgt spid="33"/>
                                         </p:tgtEl>
@@ -31586,20 +31577,20 @@
                           </p:cTn>
                         </p:par>
                         <p:par>
-                          <p:cTn id="100" fill="hold">
+                          <p:cTn id="99" fill="hold">
                             <p:stCondLst>
-                              <p:cond delay="6500"/>
+                              <p:cond delay="1400"/>
                             </p:stCondLst>
                             <p:childTnLst>
                               <p:par>
-                                <p:cTn id="101" presetID="10" presetClass="entr" presetSubtype="0" fill="hold" grpId="0" nodeType="afterEffect">
+                                <p:cTn id="100" presetID="10" presetClass="entr" presetSubtype="0" fill="hold" grpId="0" nodeType="afterEffect">
                                   <p:stCondLst>
                                     <p:cond delay="0"/>
                                   </p:stCondLst>
                                   <p:childTnLst>
                                     <p:set>
                                       <p:cBhvr>
-                                        <p:cTn id="102" dur="1" fill="hold">
+                                        <p:cTn id="101" dur="1" fill="hold">
                                           <p:stCondLst>
                                             <p:cond delay="0"/>
                                           </p:stCondLst>
@@ -31617,7 +31608,7 @@
                                     </p:set>
                                     <p:animEffect transition="in" filter="fade">
                                       <p:cBhvr>
-                                        <p:cTn id="103" dur="500"/>
+                                        <p:cTn id="102" dur="100"/>
                                         <p:tgtEl>
                                           <p:spTgt spid="60"/>
                                         </p:tgtEl>
@@ -31627,14 +31618,14 @@
                                 </p:cTn>
                               </p:par>
                               <p:par>
-                                <p:cTn id="104" presetID="10" presetClass="entr" presetSubtype="0" fill="hold" grpId="0" nodeType="withEffect">
+                                <p:cTn id="103" presetID="10" presetClass="entr" presetSubtype="0" fill="hold" grpId="0" nodeType="withEffect">
                                   <p:stCondLst>
                                     <p:cond delay="0"/>
                                   </p:stCondLst>
                                   <p:childTnLst>
                                     <p:set>
                                       <p:cBhvr>
-                                        <p:cTn id="105" dur="1" fill="hold">
+                                        <p:cTn id="104" dur="1" fill="hold">
                                           <p:stCondLst>
                                             <p:cond delay="0"/>
                                           </p:stCondLst>
@@ -31652,7 +31643,7 @@
                                     </p:set>
                                     <p:animEffect transition="in" filter="fade">
                                       <p:cBhvr>
-                                        <p:cTn id="106" dur="500"/>
+                                        <p:cTn id="105" dur="100"/>
                                         <p:tgtEl>
                                           <p:spTgt spid="18"/>
                                         </p:tgtEl>
@@ -31751,7 +31742,7 @@
         </p:nvSpPr>
         <p:spPr>
           <a:xfrm>
-            <a:off x="1450489" y="2898369"/>
+            <a:off x="1450489" y="1543162"/>
             <a:ext cx="9291022" cy="1001463"/>
           </a:xfrm>
           <a:prstGeom prst="rect">
@@ -31788,15 +31779,6 @@
           <a:p>
             <a:pPr algn="ctr"/>
             <a:r>
-              <a:rPr lang="en-GB" sz="4400" dirty="0">
-                <a:solidFill>
-                  <a:srgbClr val="FFFF00"/>
-                </a:solidFill>
-                <a:latin typeface="Consolas" panose="020B0609020204030204" pitchFamily="49" charset="0"/>
-              </a:rPr>
-              <a:t>https://</a:t>
-            </a:r>
-            <a:r>
               <a:rPr lang="en-GB" sz="4400" b="1" dirty="0">
                 <a:solidFill>
                   <a:srgbClr val="FFFF00"/>
@@ -31822,8 +31804,8 @@
         </p:nvSpPr>
         <p:spPr>
           <a:xfrm>
-            <a:off x="1822745" y="2167099"/>
-            <a:ext cx="8546514" cy="553998"/>
+            <a:off x="1822741" y="973767"/>
+            <a:ext cx="8546514" cy="523220"/>
           </a:xfrm>
           <a:prstGeom prst="rect">
             <a:avLst/>
@@ -31838,16 +31820,16 @@
           <a:p>
             <a:pPr algn="ctr"/>
             <a:r>
-              <a:rPr lang="en-GB" sz="3000" kern="0" spc="300" dirty="0">
+              <a:rPr lang="en-GB" sz="2800" kern="0" spc="300" dirty="0">
                 <a:solidFill>
                   <a:schemeClr val="bg1"/>
                 </a:solidFill>
                 <a:latin typeface="Abadi Extra Light" panose="020B0204020104020204" pitchFamily="34" charset="0"/>
                 <a:cs typeface="Aharoni" panose="02010803020104030203" pitchFamily="2" charset="-79"/>
               </a:rPr>
-              <a:t>DOWNLOAD  &amp;  LEARN MORE</a:t>
+              <a:t>DOWNLOAD &amp; LEARN MORE</a:t>
             </a:r>
-            <a:endParaRPr lang="en-GB" sz="3000" spc="300" dirty="0">
+            <a:endParaRPr lang="en-GB" sz="2800" spc="300" dirty="0">
               <a:latin typeface="Abadi Extra Light" panose="020B0204020104020204" pitchFamily="34" charset="0"/>
             </a:endParaRPr>
           </a:p>
@@ -31959,6 +31941,154 @@
               </a:solidFill>
               <a:latin typeface="Abadi" panose="020B0604020202020204" pitchFamily="34" charset="0"/>
             </a:endParaRPr>
+          </a:p>
+        </p:txBody>
+      </p:sp>
+      <p:sp>
+        <p:nvSpPr>
+          <p:cNvPr id="9" name="Rectangle 8">
+            <a:extLst>
+              <a:ext uri="{FF2B5EF4-FFF2-40B4-BE49-F238E27FC236}">
+                <a16:creationId xmlns:a16="http://schemas.microsoft.com/office/drawing/2014/main" id="{39DD05C4-795D-4244-8D11-3CBF2150C117}"/>
+              </a:ext>
+            </a:extLst>
+          </p:cNvPr>
+          <p:cNvSpPr/>
+          <p:nvPr/>
+        </p:nvSpPr>
+        <p:spPr>
+          <a:xfrm>
+            <a:off x="1450489" y="3670428"/>
+            <a:ext cx="9291022" cy="1326575"/>
+          </a:xfrm>
+          <a:prstGeom prst="rect">
+            <a:avLst/>
+          </a:prstGeom>
+          <a:solidFill>
+            <a:schemeClr val="tx1">
+              <a:alpha val="55000"/>
+            </a:schemeClr>
+          </a:solidFill>
+          <a:ln>
+            <a:noFill/>
+          </a:ln>
+        </p:spPr>
+        <p:style>
+          <a:lnRef idx="2">
+            <a:schemeClr val="accent1">
+              <a:shade val="50000"/>
+            </a:schemeClr>
+          </a:lnRef>
+          <a:fillRef idx="1">
+            <a:schemeClr val="accent1"/>
+          </a:fillRef>
+          <a:effectRef idx="0">
+            <a:schemeClr val="accent1"/>
+          </a:effectRef>
+          <a:fontRef idx="minor">
+            <a:schemeClr val="lt1"/>
+          </a:fontRef>
+        </p:style>
+        <p:txBody>
+          <a:bodyPr tIns="144000" rtlCol="0" anchor="t" anchorCtr="0"/>
+          <a:lstStyle/>
+          <a:p>
+            <a:pPr algn="ctr"/>
+            <a:r>
+              <a:rPr lang="en-GB" sz="4400" b="1" dirty="0">
+                <a:solidFill>
+                  <a:srgbClr val="FFFF00"/>
+                </a:solidFill>
+                <a:latin typeface="Consolas" panose="020B0609020204030204" pitchFamily="49" charset="0"/>
+              </a:rPr>
+              <a:t>aka.ms/sanderson-oslo-2019</a:t>
+            </a:r>
+          </a:p>
+        </p:txBody>
+      </p:sp>
+      <p:sp>
+        <p:nvSpPr>
+          <p:cNvPr id="10" name="Rectangle 9">
+            <a:extLst>
+              <a:ext uri="{FF2B5EF4-FFF2-40B4-BE49-F238E27FC236}">
+                <a16:creationId xmlns:a16="http://schemas.microsoft.com/office/drawing/2014/main" id="{C8586C0C-1FC0-48C7-B640-475C53D6E9D6}"/>
+              </a:ext>
+            </a:extLst>
+          </p:cNvPr>
+          <p:cNvSpPr/>
+          <p:nvPr/>
+        </p:nvSpPr>
+        <p:spPr>
+          <a:xfrm>
+            <a:off x="1822741" y="3101033"/>
+            <a:ext cx="8546514" cy="523220"/>
+          </a:xfrm>
+          <a:prstGeom prst="rect">
+            <a:avLst/>
+          </a:prstGeom>
+          <a:effectLst/>
+        </p:spPr>
+        <p:txBody>
+          <a:bodyPr wrap="square">
+            <a:spAutoFit/>
+          </a:bodyPr>
+          <a:lstStyle/>
+          <a:p>
+            <a:pPr algn="ctr"/>
+            <a:r>
+              <a:rPr lang="en-GB" sz="2800" kern="0" spc="300" dirty="0">
+                <a:solidFill>
+                  <a:schemeClr val="bg1"/>
+                </a:solidFill>
+                <a:latin typeface="Abadi Extra Light" panose="020B0204020104020204" pitchFamily="34" charset="0"/>
+                <a:cs typeface="Aharoni" panose="02010803020104030203" pitchFamily="2" charset="-79"/>
+              </a:rPr>
+              <a:t>CODE &amp; SLIDES FROM THIS TALK</a:t>
+            </a:r>
+            <a:endParaRPr lang="en-GB" sz="2800" spc="300" dirty="0">
+              <a:latin typeface="Abadi Extra Light" panose="020B0204020104020204" pitchFamily="34" charset="0"/>
+            </a:endParaRPr>
+          </a:p>
+        </p:txBody>
+      </p:sp>
+      <p:sp>
+        <p:nvSpPr>
+          <p:cNvPr id="2" name="Rectangle 1">
+            <a:extLst>
+              <a:ext uri="{FF2B5EF4-FFF2-40B4-BE49-F238E27FC236}">
+                <a16:creationId xmlns:a16="http://schemas.microsoft.com/office/drawing/2014/main" id="{CA5B7589-92C1-462F-A9E0-15C2B0CBC550}"/>
+              </a:ext>
+            </a:extLst>
+          </p:cNvPr>
+          <p:cNvSpPr/>
+          <p:nvPr/>
+        </p:nvSpPr>
+        <p:spPr>
+          <a:xfrm>
+            <a:off x="1773749" y="4502615"/>
+            <a:ext cx="7932665" cy="369332"/>
+          </a:xfrm>
+          <a:prstGeom prst="rect">
+            <a:avLst/>
+          </a:prstGeom>
+        </p:spPr>
+        <p:txBody>
+          <a:bodyPr wrap="square">
+            <a:spAutoFit/>
+          </a:bodyPr>
+          <a:lstStyle/>
+          <a:p>
+            <a:pPr algn="r"/>
+            <a:r>
+              <a:rPr lang="en-GB" dirty="0">
+                <a:solidFill>
+                  <a:schemeClr val="bg1">
+                    <a:lumMod val="50000"/>
+                  </a:schemeClr>
+                </a:solidFill>
+              </a:rPr>
+              <a:t>==  https://github.com/SteveSandersonMS/presentation-2019-06-NDCOslo</a:t>
+            </a:r>
           </a:p>
         </p:txBody>
       </p:sp>
@@ -32080,21 +32210,153 @@
                             </p:childTnLst>
                           </p:cTn>
                         </p:par>
+                      </p:childTnLst>
+                    </p:cTn>
+                  </p:par>
+                  <p:par>
+                    <p:cTn id="12" fill="hold">
+                      <p:stCondLst>
+                        <p:cond delay="indefinite"/>
+                      </p:stCondLst>
+                      <p:childTnLst>
                         <p:par>
-                          <p:cTn id="12" fill="hold">
+                          <p:cTn id="13" fill="hold">
                             <p:stCondLst>
-                              <p:cond delay="1000"/>
+                              <p:cond delay="0"/>
                             </p:stCondLst>
                             <p:childTnLst>
                               <p:par>
-                                <p:cTn id="13" presetID="10" presetClass="entr" presetSubtype="0" fill="hold" grpId="0" nodeType="afterEffect">
+                                <p:cTn id="14" presetID="10" presetClass="entr" presetSubtype="0" fill="hold" grpId="0" nodeType="clickEffect">
                                   <p:stCondLst>
                                     <p:cond delay="0"/>
                                   </p:stCondLst>
                                   <p:childTnLst>
                                     <p:set>
                                       <p:cBhvr>
-                                        <p:cTn id="14" dur="1" fill="hold">
+                                        <p:cTn id="15" dur="1" fill="hold">
+                                          <p:stCondLst>
+                                            <p:cond delay="0"/>
+                                          </p:stCondLst>
+                                        </p:cTn>
+                                        <p:tgtEl>
+                                          <p:spTgt spid="10"/>
+                                        </p:tgtEl>
+                                        <p:attrNameLst>
+                                          <p:attrName>style.visibility</p:attrName>
+                                        </p:attrNameLst>
+                                      </p:cBhvr>
+                                      <p:to>
+                                        <p:strVal val="visible"/>
+                                      </p:to>
+                                    </p:set>
+                                    <p:animEffect transition="in" filter="fade">
+                                      <p:cBhvr>
+                                        <p:cTn id="16" dur="500"/>
+                                        <p:tgtEl>
+                                          <p:spTgt spid="10"/>
+                                        </p:tgtEl>
+                                      </p:cBhvr>
+                                    </p:animEffect>
+                                  </p:childTnLst>
+                                </p:cTn>
+                              </p:par>
+                            </p:childTnLst>
+                          </p:cTn>
+                        </p:par>
+                        <p:par>
+                          <p:cTn id="17" fill="hold">
+                            <p:stCondLst>
+                              <p:cond delay="500"/>
+                            </p:stCondLst>
+                            <p:childTnLst>
+                              <p:par>
+                                <p:cTn id="18" presetID="10" presetClass="entr" presetSubtype="0" fill="hold" grpId="0" nodeType="afterEffect">
+                                  <p:stCondLst>
+                                    <p:cond delay="0"/>
+                                  </p:stCondLst>
+                                  <p:childTnLst>
+                                    <p:set>
+                                      <p:cBhvr>
+                                        <p:cTn id="19" dur="1" fill="hold">
+                                          <p:stCondLst>
+                                            <p:cond delay="0"/>
+                                          </p:stCondLst>
+                                        </p:cTn>
+                                        <p:tgtEl>
+                                          <p:spTgt spid="9"/>
+                                        </p:tgtEl>
+                                        <p:attrNameLst>
+                                          <p:attrName>style.visibility</p:attrName>
+                                        </p:attrNameLst>
+                                      </p:cBhvr>
+                                      <p:to>
+                                        <p:strVal val="visible"/>
+                                      </p:to>
+                                    </p:set>
+                                    <p:animEffect transition="in" filter="fade">
+                                      <p:cBhvr>
+                                        <p:cTn id="20" dur="500"/>
+                                        <p:tgtEl>
+                                          <p:spTgt spid="9"/>
+                                        </p:tgtEl>
+                                      </p:cBhvr>
+                                    </p:animEffect>
+                                  </p:childTnLst>
+                                </p:cTn>
+                              </p:par>
+                              <p:par>
+                                <p:cTn id="21" presetID="10" presetClass="entr" presetSubtype="0" fill="hold" grpId="0" nodeType="withEffect">
+                                  <p:stCondLst>
+                                    <p:cond delay="0"/>
+                                  </p:stCondLst>
+                                  <p:childTnLst>
+                                    <p:set>
+                                      <p:cBhvr>
+                                        <p:cTn id="22" dur="1" fill="hold">
+                                          <p:stCondLst>
+                                            <p:cond delay="0"/>
+                                          </p:stCondLst>
+                                        </p:cTn>
+                                        <p:tgtEl>
+                                          <p:spTgt spid="2"/>
+                                        </p:tgtEl>
+                                        <p:attrNameLst>
+                                          <p:attrName>style.visibility</p:attrName>
+                                        </p:attrNameLst>
+                                      </p:cBhvr>
+                                      <p:to>
+                                        <p:strVal val="visible"/>
+                                      </p:to>
+                                    </p:set>
+                                    <p:animEffect transition="in" filter="fade">
+                                      <p:cBhvr>
+                                        <p:cTn id="23" dur="500"/>
+                                        <p:tgtEl>
+                                          <p:spTgt spid="2"/>
+                                        </p:tgtEl>
+                                      </p:cBhvr>
+                                    </p:animEffect>
+                                  </p:childTnLst>
+                                </p:cTn>
+                              </p:par>
+                            </p:childTnLst>
+                          </p:cTn>
+                        </p:par>
+                        <p:par>
+                          <p:cTn id="24" fill="hold">
+                            <p:stCondLst>
+                              <p:cond delay="1000"/>
+                            </p:stCondLst>
+                            <p:childTnLst>
+                              <p:par>
+                                <p:cTn id="25" presetID="10" presetClass="entr" presetSubtype="0" fill="hold" grpId="0" nodeType="afterEffect">
+                                  <p:stCondLst>
+                                    <p:cond delay="500"/>
+                                  </p:stCondLst>
+                                  <p:childTnLst>
+                                    <p:set>
+                                      <p:cBhvr>
+                                        <p:cTn id="26" dur="1" fill="hold">
                                           <p:stCondLst>
                                             <p:cond delay="0"/>
                                           </p:stCondLst>
@@ -32112,7 +32374,7 @@
                                     </p:set>
                                     <p:animEffect transition="in" filter="fade">
                                       <p:cBhvr>
-                                        <p:cTn id="15" dur="500"/>
+                                        <p:cTn id="27" dur="500"/>
                                         <p:tgtEl>
                                           <p:spTgt spid="12"/>
                                         </p:tgtEl>
@@ -32122,14 +32384,14 @@
                                 </p:cTn>
                               </p:par>
                               <p:par>
-                                <p:cTn id="16" presetID="10" presetClass="entr" presetSubtype="0" fill="hold" grpId="0" nodeType="withEffect">
+                                <p:cTn id="28" presetID="10" presetClass="entr" presetSubtype="0" fill="hold" grpId="0" nodeType="withEffect">
                                   <p:stCondLst>
-                                    <p:cond delay="0"/>
+                                    <p:cond delay="500"/>
                                   </p:stCondLst>
                                   <p:childTnLst>
                                     <p:set>
                                       <p:cBhvr>
-                                        <p:cTn id="17" dur="1" fill="hold">
+                                        <p:cTn id="29" dur="1" fill="hold">
                                           <p:stCondLst>
                                             <p:cond delay="0"/>
                                           </p:stCondLst>
@@ -32147,7 +32409,7 @@
                                     </p:set>
                                     <p:animEffect transition="in" filter="fade">
                                       <p:cBhvr>
-                                        <p:cTn id="18" dur="500"/>
+                                        <p:cTn id="30" dur="500"/>
                                         <p:tgtEl>
                                           <p:spTgt spid="13"/>
                                         </p:tgtEl>
@@ -32188,6 +32450,9 @@
       <p:bldP spid="11" grpId="0"/>
       <p:bldP spid="12" grpId="0"/>
       <p:bldP spid="13" grpId="0"/>
+      <p:bldP spid="9" grpId="0" animBg="1"/>
+      <p:bldP spid="10" grpId="0"/>
+      <p:bldP spid="2" grpId="0"/>
     </p:bldLst>
   </p:timing>
 </p:sld>

--- a/Slides.pptx
+++ b/Slides.pptx
@@ -5,7 +5,7 @@
     <p:sldMasterId id="2147483648" r:id="rId1"/>
   </p:sldMasterIdLst>
   <p:notesMasterIdLst>
-    <p:notesMasterId r:id="rId19"/>
+    <p:notesMasterId r:id="rId18"/>
   </p:notesMasterIdLst>
   <p:sldIdLst>
     <p:sldId id="304" r:id="rId2"/>
@@ -19,12 +19,11 @@
     <p:sldId id="307" r:id="rId10"/>
     <p:sldId id="308" r:id="rId11"/>
     <p:sldId id="303" r:id="rId12"/>
-    <p:sldId id="310" r:id="rId13"/>
-    <p:sldId id="309" r:id="rId14"/>
-    <p:sldId id="267" r:id="rId15"/>
-    <p:sldId id="311" r:id="rId16"/>
-    <p:sldId id="294" r:id="rId17"/>
-    <p:sldId id="282" r:id="rId18"/>
+    <p:sldId id="309" r:id="rId13"/>
+    <p:sldId id="267" r:id="rId14"/>
+    <p:sldId id="311" r:id="rId15"/>
+    <p:sldId id="294" r:id="rId16"/>
+    <p:sldId id="282" r:id="rId17"/>
   </p:sldIdLst>
   <p:sldSz cx="12192000" cy="6858000"/>
   <p:notesSz cx="6858000" cy="9144000"/>
@@ -1050,7 +1049,7 @@
           <a:p>
             <a:fld id="{FA04DDF1-948D-4526-BE7B-34874455662F}" type="slidenum">
               <a:rPr lang="en-GB" smtClean="0"/>
-              <a:t>17</a:t>
+              <a:t>16</a:t>
             </a:fld>
             <a:endParaRPr lang="en-GB"/>
           </a:p>
@@ -15214,369 +15213,6 @@
           <a:chExt cx="0" cy="0"/>
         </a:xfrm>
       </p:grpSpPr>
-      <p:sp>
-        <p:nvSpPr>
-          <p:cNvPr id="3" name="Rectangle 2">
-            <a:extLst>
-              <a:ext uri="{FF2B5EF4-FFF2-40B4-BE49-F238E27FC236}">
-                <a16:creationId xmlns:a16="http://schemas.microsoft.com/office/drawing/2014/main" id="{5B8F3FF1-FDA1-4CFC-8151-C3CB0E6A3D24}"/>
-              </a:ext>
-            </a:extLst>
-          </p:cNvPr>
-          <p:cNvSpPr/>
-          <p:nvPr/>
-        </p:nvSpPr>
-        <p:spPr>
-          <a:xfrm>
-            <a:off x="893935" y="1214056"/>
-            <a:ext cx="7136890" cy="923330"/>
-          </a:xfrm>
-          <a:prstGeom prst="rect">
-            <a:avLst/>
-          </a:prstGeom>
-        </p:spPr>
-        <p:txBody>
-          <a:bodyPr wrap="none">
-            <a:spAutoFit/>
-          </a:bodyPr>
-          <a:lstStyle/>
-          <a:p>
-            <a:r>
-              <a:rPr lang="en-GB" sz="5400" kern="0" spc="300" dirty="0">
-                <a:solidFill>
-                  <a:srgbClr val="FFFF00"/>
-                </a:solidFill>
-                <a:latin typeface="Abadi Extra Light" panose="020B0204020104020204" pitchFamily="34" charset="0"/>
-                <a:cs typeface="Aharoni" panose="02010803020104030203" pitchFamily="2" charset="-79"/>
-              </a:rPr>
-              <a:t>SERVER-SIDE BLAZOR</a:t>
-            </a:r>
-            <a:endParaRPr lang="en-GB" sz="5400" spc="300" dirty="0">
-              <a:solidFill>
-                <a:srgbClr val="FFFF00"/>
-              </a:solidFill>
-              <a:latin typeface="Abadi Extra Light" panose="020B0204020104020204" pitchFamily="34" charset="0"/>
-            </a:endParaRPr>
-          </a:p>
-        </p:txBody>
-      </p:sp>
-      <p:sp>
-        <p:nvSpPr>
-          <p:cNvPr id="5" name="Rectangle: Rounded Corners 4">
-            <a:extLst>
-              <a:ext uri="{FF2B5EF4-FFF2-40B4-BE49-F238E27FC236}">
-                <a16:creationId xmlns:a16="http://schemas.microsoft.com/office/drawing/2014/main" id="{3ED50853-6F89-445E-B424-6D25CBDB7511}"/>
-              </a:ext>
-            </a:extLst>
-          </p:cNvPr>
-          <p:cNvSpPr/>
-          <p:nvPr/>
-        </p:nvSpPr>
-        <p:spPr>
-          <a:xfrm>
-            <a:off x="994675" y="2605923"/>
-            <a:ext cx="2918648" cy="1088214"/>
-          </a:xfrm>
-          <a:prstGeom prst="roundRect">
-            <a:avLst>
-              <a:gd name="adj" fmla="val 13260"/>
-            </a:avLst>
-          </a:prstGeom>
-          <a:solidFill>
-            <a:schemeClr val="bg1"/>
-          </a:solidFill>
-          <a:ln>
-            <a:noFill/>
-          </a:ln>
-          <a:effectLst>
-            <a:outerShdw blurRad="63500" sx="101000" sy="101000" algn="ctr" rotWithShape="0">
-              <a:prstClr val="black">
-                <a:alpha val="12000"/>
-              </a:prstClr>
-            </a:outerShdw>
-          </a:effectLst>
-        </p:spPr>
-        <p:style>
-          <a:lnRef idx="2">
-            <a:schemeClr val="accent1">
-              <a:shade val="50000"/>
-            </a:schemeClr>
-          </a:lnRef>
-          <a:fillRef idx="1">
-            <a:schemeClr val="accent1"/>
-          </a:fillRef>
-          <a:effectRef idx="0">
-            <a:schemeClr val="accent1"/>
-          </a:effectRef>
-          <a:fontRef idx="minor">
-            <a:schemeClr val="lt1"/>
-          </a:fontRef>
-        </p:style>
-        <p:txBody>
-          <a:bodyPr rtlCol="0" anchor="ctr"/>
-          <a:lstStyle/>
-          <a:p>
-            <a:pPr algn="ctr"/>
-            <a:r>
-              <a:rPr lang="en-GB" sz="3600" dirty="0">
-                <a:solidFill>
-                  <a:schemeClr val="tx1">
-                    <a:lumMod val="65000"/>
-                    <a:lumOff val="35000"/>
-                  </a:schemeClr>
-                </a:solidFill>
-                <a:latin typeface="Abadi" panose="020B0604020104020204" pitchFamily="34" charset="0"/>
-              </a:rPr>
-              <a:t>Connection</a:t>
-            </a:r>
-          </a:p>
-        </p:txBody>
-      </p:sp>
-      <p:sp>
-        <p:nvSpPr>
-          <p:cNvPr id="10" name="Rectangle: Rounded Corners 9">
-            <a:extLst>
-              <a:ext uri="{FF2B5EF4-FFF2-40B4-BE49-F238E27FC236}">
-                <a16:creationId xmlns:a16="http://schemas.microsoft.com/office/drawing/2014/main" id="{75C34615-FEB9-4528-9B6A-025714193177}"/>
-              </a:ext>
-            </a:extLst>
-          </p:cNvPr>
-          <p:cNvSpPr/>
-          <p:nvPr/>
-        </p:nvSpPr>
-        <p:spPr>
-          <a:xfrm>
-            <a:off x="4338394" y="2605923"/>
-            <a:ext cx="3279024" cy="1088214"/>
-          </a:xfrm>
-          <a:prstGeom prst="roundRect">
-            <a:avLst>
-              <a:gd name="adj" fmla="val 13260"/>
-            </a:avLst>
-          </a:prstGeom>
-          <a:solidFill>
-            <a:schemeClr val="bg1"/>
-          </a:solidFill>
-          <a:ln>
-            <a:noFill/>
-          </a:ln>
-          <a:effectLst>
-            <a:outerShdw blurRad="63500" sx="101000" sy="101000" algn="ctr" rotWithShape="0">
-              <a:prstClr val="black">
-                <a:alpha val="12000"/>
-              </a:prstClr>
-            </a:outerShdw>
-          </a:effectLst>
-        </p:spPr>
-        <p:style>
-          <a:lnRef idx="2">
-            <a:schemeClr val="accent1">
-              <a:shade val="50000"/>
-            </a:schemeClr>
-          </a:lnRef>
-          <a:fillRef idx="1">
-            <a:schemeClr val="accent1"/>
-          </a:fillRef>
-          <a:effectRef idx="0">
-            <a:schemeClr val="accent1"/>
-          </a:effectRef>
-          <a:fontRef idx="minor">
-            <a:schemeClr val="lt1"/>
-          </a:fontRef>
-        </p:style>
-        <p:txBody>
-          <a:bodyPr rtlCol="0" anchor="ctr"/>
-          <a:lstStyle/>
-          <a:p>
-            <a:pPr algn="ctr"/>
-            <a:r>
-              <a:rPr lang="en-GB" sz="3600" dirty="0">
-                <a:solidFill>
-                  <a:schemeClr val="tx1">
-                    <a:lumMod val="65000"/>
-                    <a:lumOff val="35000"/>
-                  </a:schemeClr>
-                </a:solidFill>
-                <a:latin typeface="Abadi" panose="020B0604020104020204" pitchFamily="34" charset="0"/>
-              </a:rPr>
-              <a:t>Prerendering</a:t>
-            </a:r>
-          </a:p>
-        </p:txBody>
-      </p:sp>
-    </p:spTree>
-    <p:extLst>
-      <p:ext uri="{BB962C8B-B14F-4D97-AF65-F5344CB8AC3E}">
-        <p14:creationId xmlns:p14="http://schemas.microsoft.com/office/powerpoint/2010/main" val="3474705568"/>
-      </p:ext>
-    </p:extLst>
-  </p:cSld>
-  <p:clrMapOvr>
-    <a:masterClrMapping/>
-  </p:clrMapOvr>
-  <p:transition>
-    <p:fade/>
-  </p:transition>
-  <p:timing>
-    <p:tnLst>
-      <p:par>
-        <p:cTn id="1" dur="indefinite" restart="never" nodeType="tmRoot">
-          <p:childTnLst>
-            <p:seq concurrent="1" nextAc="seek">
-              <p:cTn id="2" dur="indefinite" nodeType="mainSeq">
-                <p:childTnLst>
-                  <p:par>
-                    <p:cTn id="3" fill="hold">
-                      <p:stCondLst>
-                        <p:cond delay="indefinite"/>
-                      </p:stCondLst>
-                      <p:childTnLst>
-                        <p:par>
-                          <p:cTn id="4" fill="hold">
-                            <p:stCondLst>
-                              <p:cond delay="0"/>
-                            </p:stCondLst>
-                            <p:childTnLst>
-                              <p:par>
-                                <p:cTn id="5" presetID="10" presetClass="entr" presetSubtype="0" fill="hold" grpId="0" nodeType="clickEffect">
-                                  <p:stCondLst>
-                                    <p:cond delay="0"/>
-                                  </p:stCondLst>
-                                  <p:childTnLst>
-                                    <p:set>
-                                      <p:cBhvr>
-                                        <p:cTn id="6" dur="1" fill="hold">
-                                          <p:stCondLst>
-                                            <p:cond delay="0"/>
-                                          </p:stCondLst>
-                                        </p:cTn>
-                                        <p:tgtEl>
-                                          <p:spTgt spid="5"/>
-                                        </p:tgtEl>
-                                        <p:attrNameLst>
-                                          <p:attrName>style.visibility</p:attrName>
-                                        </p:attrNameLst>
-                                      </p:cBhvr>
-                                      <p:to>
-                                        <p:strVal val="visible"/>
-                                      </p:to>
-                                    </p:set>
-                                    <p:animEffect transition="in" filter="fade">
-                                      <p:cBhvr>
-                                        <p:cTn id="7" dur="500"/>
-                                        <p:tgtEl>
-                                          <p:spTgt spid="5"/>
-                                        </p:tgtEl>
-                                      </p:cBhvr>
-                                    </p:animEffect>
-                                  </p:childTnLst>
-                                </p:cTn>
-                              </p:par>
-                            </p:childTnLst>
-                          </p:cTn>
-                        </p:par>
-                      </p:childTnLst>
-                    </p:cTn>
-                  </p:par>
-                  <p:par>
-                    <p:cTn id="8" fill="hold">
-                      <p:stCondLst>
-                        <p:cond delay="indefinite"/>
-                      </p:stCondLst>
-                      <p:childTnLst>
-                        <p:par>
-                          <p:cTn id="9" fill="hold">
-                            <p:stCondLst>
-                              <p:cond delay="0"/>
-                            </p:stCondLst>
-                            <p:childTnLst>
-                              <p:par>
-                                <p:cTn id="10" presetID="10" presetClass="entr" presetSubtype="0" fill="hold" grpId="0" nodeType="clickEffect">
-                                  <p:stCondLst>
-                                    <p:cond delay="0"/>
-                                  </p:stCondLst>
-                                  <p:childTnLst>
-                                    <p:set>
-                                      <p:cBhvr>
-                                        <p:cTn id="11" dur="1" fill="hold">
-                                          <p:stCondLst>
-                                            <p:cond delay="0"/>
-                                          </p:stCondLst>
-                                        </p:cTn>
-                                        <p:tgtEl>
-                                          <p:spTgt spid="10"/>
-                                        </p:tgtEl>
-                                        <p:attrNameLst>
-                                          <p:attrName>style.visibility</p:attrName>
-                                        </p:attrNameLst>
-                                      </p:cBhvr>
-                                      <p:to>
-                                        <p:strVal val="visible"/>
-                                      </p:to>
-                                    </p:set>
-                                    <p:animEffect transition="in" filter="fade">
-                                      <p:cBhvr>
-                                        <p:cTn id="12" dur="500"/>
-                                        <p:tgtEl>
-                                          <p:spTgt spid="10"/>
-                                        </p:tgtEl>
-                                      </p:cBhvr>
-                                    </p:animEffect>
-                                  </p:childTnLst>
-                                </p:cTn>
-                              </p:par>
-                            </p:childTnLst>
-                          </p:cTn>
-                        </p:par>
-                      </p:childTnLst>
-                    </p:cTn>
-                  </p:par>
-                </p:childTnLst>
-              </p:cTn>
-              <p:prevCondLst>
-                <p:cond evt="onPrev" delay="0">
-                  <p:tgtEl>
-                    <p:sldTgt/>
-                  </p:tgtEl>
-                </p:cond>
-              </p:prevCondLst>
-              <p:nextCondLst>
-                <p:cond evt="onNext" delay="0">
-                  <p:tgtEl>
-                    <p:sldTgt/>
-                  </p:tgtEl>
-                </p:cond>
-              </p:nextCondLst>
-            </p:seq>
-          </p:childTnLst>
-        </p:cTn>
-      </p:par>
-    </p:tnLst>
-    <p:bldLst>
-      <p:bldP spid="5" grpId="0" animBg="1"/>
-      <p:bldP spid="10" grpId="0" animBg="1"/>
-    </p:bldLst>
-  </p:timing>
-</p:sld>
-</file>
-
-<file path=ppt/slides/slide13.xml><?xml version="1.0" encoding="utf-8"?>
-<p:sld xmlns:a="http://schemas.openxmlformats.org/drawingml/2006/main" xmlns:r="http://schemas.openxmlformats.org/officeDocument/2006/relationships" xmlns:p="http://schemas.openxmlformats.org/presentationml/2006/main">
-  <p:cSld>
-    <p:spTree>
-      <p:nvGrpSpPr>
-        <p:cNvPr id="1" name=""/>
-        <p:cNvGrpSpPr/>
-        <p:nvPr/>
-      </p:nvGrpSpPr>
-      <p:grpSpPr>
-        <a:xfrm>
-          <a:off x="0" y="0"/>
-          <a:ext cx="0" cy="0"/>
-          <a:chOff x="0" y="0"/>
-          <a:chExt cx="0" cy="0"/>
-        </a:xfrm>
-      </p:grpSpPr>
       <p:grpSp>
         <p:nvGrpSpPr>
           <p:cNvPr id="9" name="Group 8">
@@ -21097,9 +20733,6 @@
   <p:clrMapOvr>
     <a:masterClrMapping/>
   </p:clrMapOvr>
-  <p:transition>
-    <p:fade/>
-  </p:transition>
   <p:timing>
     <p:tnLst>
       <p:par>
@@ -21112,6 +20745,9 @@
                     <p:cTn id="3" fill="hold">
                       <p:stCondLst>
                         <p:cond delay="indefinite"/>
+                        <p:cond evt="onBegin" delay="0">
+                          <p:tn val="2"/>
+                        </p:cond>
                       </p:stCondLst>
                       <p:childTnLst>
                         <p:par>
@@ -21121,7 +20757,7 @@
                             </p:stCondLst>
                             <p:childTnLst>
                               <p:par>
-                                <p:cTn id="5" presetID="10" presetClass="entr" presetSubtype="0" fill="hold" grpId="0" nodeType="clickEffect">
+                                <p:cTn id="5" presetID="10" presetClass="entr" presetSubtype="0" fill="hold" grpId="0" nodeType="withEffect">
                                   <p:stCondLst>
                                     <p:cond delay="0"/>
                                   </p:stCondLst>
@@ -21243,7 +20879,7 @@
 </p:sld>
 </file>
 
-<file path=ppt/slides/slide14.xml><?xml version="1.0" encoding="utf-8"?>
+<file path=ppt/slides/slide13.xml><?xml version="1.0" encoding="utf-8"?>
 <p:sld xmlns:a="http://schemas.openxmlformats.org/drawingml/2006/main" xmlns:r="http://schemas.openxmlformats.org/officeDocument/2006/relationships" xmlns:p="http://schemas.openxmlformats.org/presentationml/2006/main" showMasterSp="0">
   <p:cSld>
     <p:bg>
@@ -21476,7 +21112,7 @@
 </p:sld>
 </file>
 
-<file path=ppt/slides/slide15.xml><?xml version="1.0" encoding="utf-8"?>
+<file path=ppt/slides/slide14.xml><?xml version="1.0" encoding="utf-8"?>
 <p:sld xmlns:a="http://schemas.openxmlformats.org/drawingml/2006/main" xmlns:r="http://schemas.openxmlformats.org/officeDocument/2006/relationships" xmlns:p="http://schemas.openxmlformats.org/presentationml/2006/main" showMasterSp="0">
   <p:cSld>
     <p:bg>
@@ -24122,7 +23758,7 @@
 </p:sld>
 </file>
 
-<file path=ppt/slides/slide16.xml><?xml version="1.0" encoding="utf-8"?>
+<file path=ppt/slides/slide15.xml><?xml version="1.0" encoding="utf-8"?>
 <p:sld xmlns:a="http://schemas.openxmlformats.org/drawingml/2006/main" xmlns:r="http://schemas.openxmlformats.org/officeDocument/2006/relationships" xmlns:p="http://schemas.openxmlformats.org/presentationml/2006/main">
   <p:cSld>
     <p:spTree>
@@ -31711,7 +31347,7 @@
 </p:sld>
 </file>
 
-<file path=ppt/slides/slide17.xml><?xml version="1.0" encoding="utf-8"?>
+<file path=ppt/slides/slide16.xml><?xml version="1.0" encoding="utf-8"?>
 <p:sld xmlns:a="http://schemas.openxmlformats.org/drawingml/2006/main" xmlns:r="http://schemas.openxmlformats.org/officeDocument/2006/relationships" xmlns:p="http://schemas.openxmlformats.org/presentationml/2006/main">
   <p:cSld>
     <p:spTree>

--- a/Slides.pptx
+++ b/Slides.pptx
@@ -212,7 +212,7 @@
           <a:p>
             <a:fld id="{CDC38835-3495-4B27-96A0-87454ABD6C5F}" type="datetimeFigureOut">
               <a:rPr lang="en-GB" smtClean="0"/>
-              <a:t>19/06/2019</a:t>
+              <a:t>20/06/2019</a:t>
             </a:fld>
             <a:endParaRPr lang="en-GB"/>
           </a:p>
@@ -1231,7 +1231,7 @@
           <a:p>
             <a:fld id="{E885B747-BE7F-405E-BE85-338BBEB3E80C}" type="datetimeFigureOut">
               <a:rPr lang="en-GB" smtClean="0"/>
-              <a:t>19/06/2019</a:t>
+              <a:t>20/06/2019</a:t>
             </a:fld>
             <a:endParaRPr lang="en-GB"/>
           </a:p>
@@ -1471,7 +1471,7 @@
           <a:p>
             <a:fld id="{E885B747-BE7F-405E-BE85-338BBEB3E80C}" type="datetimeFigureOut">
               <a:rPr lang="en-GB" smtClean="0"/>
-              <a:t>19/06/2019</a:t>
+              <a:t>20/06/2019</a:t>
             </a:fld>
             <a:endParaRPr lang="en-GB"/>
           </a:p>
@@ -1711,7 +1711,7 @@
           <a:p>
             <a:fld id="{E885B747-BE7F-405E-BE85-338BBEB3E80C}" type="datetimeFigureOut">
               <a:rPr lang="en-GB" smtClean="0"/>
-              <a:t>19/06/2019</a:t>
+              <a:t>20/06/2019</a:t>
             </a:fld>
             <a:endParaRPr lang="en-GB"/>
           </a:p>
@@ -1951,7 +1951,7 @@
           <a:p>
             <a:fld id="{E885B747-BE7F-405E-BE85-338BBEB3E80C}" type="datetimeFigureOut">
               <a:rPr lang="en-GB" smtClean="0"/>
-              <a:t>19/06/2019</a:t>
+              <a:t>20/06/2019</a:t>
             </a:fld>
             <a:endParaRPr lang="en-GB"/>
           </a:p>
@@ -2257,7 +2257,7 @@
           <a:p>
             <a:fld id="{E885B747-BE7F-405E-BE85-338BBEB3E80C}" type="datetimeFigureOut">
               <a:rPr lang="en-GB" smtClean="0"/>
-              <a:t>19/06/2019</a:t>
+              <a:t>20/06/2019</a:t>
             </a:fld>
             <a:endParaRPr lang="en-GB"/>
           </a:p>
@@ -2563,7 +2563,7 @@
           <a:p>
             <a:fld id="{E885B747-BE7F-405E-BE85-338BBEB3E80C}" type="datetimeFigureOut">
               <a:rPr lang="en-GB" smtClean="0"/>
-              <a:t>19/06/2019</a:t>
+              <a:t>20/06/2019</a:t>
             </a:fld>
             <a:endParaRPr lang="en-GB"/>
           </a:p>
@@ -3017,7 +3017,7 @@
           <a:p>
             <a:fld id="{E885B747-BE7F-405E-BE85-338BBEB3E80C}" type="datetimeFigureOut">
               <a:rPr lang="en-GB" smtClean="0"/>
-              <a:t>19/06/2019</a:t>
+              <a:t>20/06/2019</a:t>
             </a:fld>
             <a:endParaRPr lang="en-GB"/>
           </a:p>
@@ -3191,7 +3191,7 @@
           <a:p>
             <a:fld id="{E885B747-BE7F-405E-BE85-338BBEB3E80C}" type="datetimeFigureOut">
               <a:rPr lang="en-GB" smtClean="0"/>
-              <a:t>19/06/2019</a:t>
+              <a:t>20/06/2019</a:t>
             </a:fld>
             <a:endParaRPr lang="en-GB"/>
           </a:p>
@@ -3328,7 +3328,7 @@
           <a:p>
             <a:fld id="{E885B747-BE7F-405E-BE85-338BBEB3E80C}" type="datetimeFigureOut">
               <a:rPr lang="en-GB" smtClean="0"/>
-              <a:t>19/06/2019</a:t>
+              <a:t>20/06/2019</a:t>
             </a:fld>
             <a:endParaRPr lang="en-GB"/>
           </a:p>
@@ -3674,7 +3674,7 @@
           <a:p>
             <a:fld id="{E885B747-BE7F-405E-BE85-338BBEB3E80C}" type="datetimeFigureOut">
               <a:rPr lang="en-GB" smtClean="0"/>
-              <a:t>19/06/2019</a:t>
+              <a:t>20/06/2019</a:t>
             </a:fld>
             <a:endParaRPr lang="en-GB"/>
           </a:p>
@@ -3996,7 +3996,7 @@
           <a:p>
             <a:fld id="{E885B747-BE7F-405E-BE85-338BBEB3E80C}" type="datetimeFigureOut">
               <a:rPr lang="en-GB" smtClean="0"/>
-              <a:t>19/06/2019</a:t>
+              <a:t>20/06/2019</a:t>
             </a:fld>
             <a:endParaRPr lang="en-GB"/>
           </a:p>
@@ -22463,7 +22463,7 @@
         <p:spPr>
           <a:xfrm>
             <a:off x="6992350" y="5891415"/>
-            <a:ext cx="3946914" cy="707886"/>
+            <a:ext cx="3576620" cy="707886"/>
           </a:xfrm>
           <a:prstGeom prst="rect">
             <a:avLst/>
@@ -22499,7 +22499,7 @@
                 </a:solidFill>
                 <a:latin typeface="Abadi" panose="020B0604020104020204" pitchFamily="34" charset="0"/>
               </a:rPr>
-              <a:t>rendering to native OS UI controls</a:t>
+              <a:t>rendering non-HTML UI</a:t>
             </a:r>
           </a:p>
         </p:txBody>
